--- a/Präsentation/Präsentation Trio 4.pptx
+++ b/Präsentation/Präsentation Trio 4.pptx
@@ -5,9 +5,10 @@
     <p:sldMasterId id="2147483672" r:id="rId1"/>
   </p:sldMasterIdLst>
   <p:sldIdLst>
-    <p:sldId id="272" r:id="rId2"/>
-    <p:sldId id="284" r:id="rId3"/>
-    <p:sldId id="283" r:id="rId4"/>
+    <p:sldId id="256" r:id="rId2"/>
+    <p:sldId id="272" r:id="rId3"/>
+    <p:sldId id="284" r:id="rId4"/>
+    <p:sldId id="283" r:id="rId5"/>
   </p:sldIdLst>
   <p:sldSz cx="13439775" cy="7559675"/>
   <p:notesSz cx="7559675" cy="10691813"/>
@@ -129,7 +130,7 @@
 <file path=ppt/revisionInfo.xml><?xml version="1.0" encoding="utf-8"?>
 <p1510:revInfo xmlns:a="http://schemas.openxmlformats.org/drawingml/2006/main" xmlns:r="http://schemas.openxmlformats.org/officeDocument/2006/relationships" xmlns:p1510="http://schemas.microsoft.com/office/powerpoint/2015/10/main">
   <p1510:revLst>
-    <p1510:client id="{C380F404-B0EB-4430-BBFB-1AD1438CDEC0}" v="1" dt="2022-07-11T10:19:00.114"/>
+    <p1510:client id="{C380F404-B0EB-4430-BBFB-1AD1438CDEC0}" v="2" dt="2022-07-11T10:30:37.329"/>
   </p1510:revLst>
 </p1510:revInfo>
 </file>
@@ -402,19 +403,19 @@
   </pc:docChgLst>
   <pc:docChgLst>
     <pc:chgData name="Richard Prußas" userId="95997a070391755a" providerId="LiveId" clId="{C380F404-B0EB-4430-BBFB-1AD1438CDEC0}"/>
-    <pc:docChg chg="undo custSel addSld delSld modSld delMainMaster">
-      <pc:chgData name="Richard Prußas" userId="95997a070391755a" providerId="LiveId" clId="{C380F404-B0EB-4430-BBFB-1AD1438CDEC0}" dt="2022-07-11T10:20:16.864" v="700" actId="1076"/>
+    <pc:docChg chg="undo custSel addSld delSld modSld sldOrd delMainMaster">
+      <pc:chgData name="Richard Prußas" userId="95997a070391755a" providerId="LiveId" clId="{C380F404-B0EB-4430-BBFB-1AD1438CDEC0}" dt="2022-07-11T10:31:11.565" v="762" actId="6549"/>
       <pc:docMkLst>
         <pc:docMk/>
       </pc:docMkLst>
-      <pc:sldChg chg="modSp del mod">
-        <pc:chgData name="Richard Prußas" userId="95997a070391755a" providerId="LiveId" clId="{C380F404-B0EB-4430-BBFB-1AD1438CDEC0}" dt="2022-07-11T09:49:01.530" v="119" actId="47"/>
+      <pc:sldChg chg="modSp add del mod ord">
+        <pc:chgData name="Richard Prußas" userId="95997a070391755a" providerId="LiveId" clId="{C380F404-B0EB-4430-BBFB-1AD1438CDEC0}" dt="2022-07-11T10:31:11.565" v="762" actId="6549"/>
         <pc:sldMkLst>
           <pc:docMk/>
           <pc:sldMk cId="1692141195" sldId="256"/>
         </pc:sldMkLst>
         <pc:spChg chg="mod">
-          <ac:chgData name="Richard Prußas" userId="95997a070391755a" providerId="LiveId" clId="{C380F404-B0EB-4430-BBFB-1AD1438CDEC0}" dt="2022-07-11T09:48:59.044" v="118" actId="20577"/>
+          <ac:chgData name="Richard Prußas" userId="95997a070391755a" providerId="LiveId" clId="{C380F404-B0EB-4430-BBFB-1AD1438CDEC0}" dt="2022-07-11T10:31:11.565" v="762" actId="6549"/>
           <ac:spMkLst>
             <pc:docMk/>
             <pc:sldMk cId="1692141195" sldId="256"/>
@@ -437,7 +438,7 @@
         </pc:sldMkLst>
       </pc:sldChg>
       <pc:sldChg chg="addSp delSp modSp mod">
-        <pc:chgData name="Richard Prußas" userId="95997a070391755a" providerId="LiveId" clId="{C380F404-B0EB-4430-BBFB-1AD1438CDEC0}" dt="2022-07-11T10:20:16.864" v="700" actId="1076"/>
+        <pc:chgData name="Richard Prußas" userId="95997a070391755a" providerId="LiveId" clId="{C380F404-B0EB-4430-BBFB-1AD1438CDEC0}" dt="2022-07-11T10:29:48.255" v="701" actId="21"/>
         <pc:sldMkLst>
           <pc:docMk/>
           <pc:sldMk cId="3717923415" sldId="272"/>
@@ -458,8 +459,8 @@
             <ac:spMk id="3" creationId="{BF443B84-3FB3-479F-A968-ECE71FD4DD3B}"/>
           </ac:spMkLst>
         </pc:spChg>
-        <pc:picChg chg="add mod">
-          <ac:chgData name="Richard Prußas" userId="95997a070391755a" providerId="LiveId" clId="{C380F404-B0EB-4430-BBFB-1AD1438CDEC0}" dt="2022-07-11T10:20:16.864" v="700" actId="1076"/>
+        <pc:picChg chg="add del mod">
+          <ac:chgData name="Richard Prußas" userId="95997a070391755a" providerId="LiveId" clId="{C380F404-B0EB-4430-BBFB-1AD1438CDEC0}" dt="2022-07-11T10:29:48.255" v="701" actId="21"/>
           <ac:picMkLst>
             <pc:docMk/>
             <pc:sldMk cId="3717923415" sldId="272"/>
@@ -4744,285 +4745,141 @@
       </p:grpSpPr>
       <p:sp>
         <p:nvSpPr>
-          <p:cNvPr id="2" name="Titel 1">
-            <a:extLst>
-              <a:ext uri="{FF2B5EF4-FFF2-40B4-BE49-F238E27FC236}">
-                <a16:creationId xmlns:a16="http://schemas.microsoft.com/office/drawing/2014/main" id="{2721229F-F71F-4F54-9B3C-65369978C7AB}"/>
-              </a:ext>
-            </a:extLst>
-          </p:cNvPr>
-          <p:cNvSpPr>
-            <a:spLocks noGrp="1"/>
-          </p:cNvSpPr>
-          <p:nvPr>
-            <p:ph type="title"/>
-          </p:nvPr>
-        </p:nvSpPr>
-        <p:spPr/>
-        <p:txBody>
-          <a:bodyPr>
-            <a:normAutofit/>
-          </a:bodyPr>
-          <a:lstStyle/>
-          <a:p>
-            <a:r>
-              <a:rPr lang="de-DE" sz="2800" u="sng" dirty="0"/>
-              <a:t>Interaktive Karte Leipzigs</a:t>
-            </a:r>
-          </a:p>
-        </p:txBody>
-      </p:sp>
-      <p:sp>
-        <p:nvSpPr>
-          <p:cNvPr id="3" name="Inhaltsplatzhalter 2">
-            <a:extLst>
-              <a:ext uri="{FF2B5EF4-FFF2-40B4-BE49-F238E27FC236}">
-                <a16:creationId xmlns:a16="http://schemas.microsoft.com/office/drawing/2014/main" id="{BF443B84-3FB3-479F-A968-ECE71FD4DD3B}"/>
-              </a:ext>
-            </a:extLst>
-          </p:cNvPr>
-          <p:cNvSpPr>
-            <a:spLocks noGrp="1"/>
-          </p:cNvSpPr>
-          <p:nvPr>
-            <p:ph idx="1"/>
-          </p:nvPr>
+          <p:cNvPr id="2" name="Rechteck 1">
+            <a:hlinkClick r:id="rId2"/>
+            <a:extLst>
+              <a:ext uri="{FF2B5EF4-FFF2-40B4-BE49-F238E27FC236}">
+                <a16:creationId xmlns:a16="http://schemas.microsoft.com/office/drawing/2014/main" id="{3A021DB5-63A4-4466-BD64-9B461AF41B08}"/>
+              </a:ext>
+            </a:extLst>
+          </p:cNvPr>
+          <p:cNvSpPr/>
+          <p:nvPr/>
         </p:nvSpPr>
         <p:spPr>
           <a:xfrm>
-            <a:off x="1055917" y="1998921"/>
-            <a:ext cx="11558870" cy="5263115"/>
-          </a:xfrm>
-        </p:spPr>
-        <p:txBody>
-          <a:bodyPr>
-            <a:normAutofit lnSpcReduction="10000"/>
-          </a:bodyPr>
-          <a:lstStyle/>
-          <a:p>
-            <a:pPr algn="l">
-              <a:lnSpc>
-                <a:spcPct val="150000"/>
-              </a:lnSpc>
-            </a:pPr>
-            <a:r>
-              <a:rPr lang="de-DE" u="sng" dirty="0">
-                <a:latin typeface="+mn-lt"/>
-              </a:rPr>
-              <a:t>Fragestellung:</a:t>
-            </a:r>
-            <a:r>
-              <a:rPr lang="de-DE" dirty="0">
-                <a:latin typeface="+mn-lt"/>
-              </a:rPr>
-              <a:t> 	</a:t>
-            </a:r>
-          </a:p>
-          <a:p>
-            <a:pPr marL="342900" indent="-342900" algn="l">
-              <a:lnSpc>
-                <a:spcPct val="150000"/>
-              </a:lnSpc>
-              <a:buFont typeface="Arial" panose="020B0604020202020204" pitchFamily="34" charset="0"/>
-              <a:buChar char="•"/>
-            </a:pPr>
-            <a:r>
-              <a:rPr lang="de-DE" dirty="0">
-                <a:latin typeface="+mn-lt"/>
-              </a:rPr>
-              <a:t>Lässt sich für die Stadt Leipzig ein Zusammenhang zwischen Vegetation und Einkommen feststellen?</a:t>
-            </a:r>
-          </a:p>
-          <a:p>
-            <a:pPr algn="l">
-              <a:lnSpc>
-                <a:spcPct val="150000"/>
-              </a:lnSpc>
-            </a:pPr>
-            <a:r>
-              <a:rPr lang="de-DE" u="sng" dirty="0">
-                <a:latin typeface="+mn-lt"/>
-              </a:rPr>
-              <a:t>Daten/Datenaufbereitung:</a:t>
-            </a:r>
-          </a:p>
-          <a:p>
-            <a:pPr marL="342900" indent="-342900" algn="l">
-              <a:lnSpc>
-                <a:spcPct val="150000"/>
-              </a:lnSpc>
-              <a:buFont typeface="Arial" panose="020B0604020202020204" pitchFamily="34" charset="0"/>
-              <a:buChar char="•"/>
-            </a:pPr>
-            <a:r>
-              <a:rPr lang="de-DE" dirty="0">
-                <a:latin typeface="+mn-lt"/>
-              </a:rPr>
-              <a:t>Einkommensdaten: </a:t>
-            </a:r>
-            <a:r>
-              <a:rPr lang="de-DE" dirty="0" err="1">
-                <a:latin typeface="+mn-lt"/>
-              </a:rPr>
-              <a:t>csv</a:t>
-            </a:r>
-            <a:r>
-              <a:rPr lang="de-DE" dirty="0">
-                <a:latin typeface="+mn-lt"/>
-              </a:rPr>
-              <a:t>-Datei (Open-Data-Portal der Stadt Leipzig) </a:t>
-            </a:r>
-          </a:p>
-          <a:p>
-            <a:pPr marL="342900" indent="-342900" algn="l">
-              <a:lnSpc>
-                <a:spcPct val="150000"/>
-              </a:lnSpc>
-              <a:buFont typeface="Arial" panose="020B0604020202020204" pitchFamily="34" charset="0"/>
-              <a:buChar char="•"/>
-            </a:pPr>
-            <a:r>
-              <a:rPr lang="de-DE" dirty="0">
-                <a:latin typeface="+mn-lt"/>
-              </a:rPr>
-              <a:t>Geodaten: </a:t>
-            </a:r>
-            <a:r>
-              <a:rPr lang="de-DE" dirty="0" err="1">
-                <a:latin typeface="+mn-lt"/>
-              </a:rPr>
-              <a:t>shapefiles</a:t>
-            </a:r>
-            <a:r>
-              <a:rPr lang="de-DE" dirty="0">
-                <a:latin typeface="+mn-lt"/>
-              </a:rPr>
-              <a:t> (Open-Data-Portal der Stadt Leipzig) </a:t>
-            </a:r>
-            <a:r>
-              <a:rPr lang="de-DE" dirty="0">
-                <a:latin typeface="+mn-lt"/>
-                <a:sym typeface="Wingdings" panose="05000000000000000000" pitchFamily="2" charset="2"/>
-              </a:rPr>
-              <a:t> </a:t>
-            </a:r>
-            <a:r>
-              <a:rPr lang="de-DE" dirty="0" err="1">
-                <a:latin typeface="+mn-lt"/>
-                <a:sym typeface="Wingdings" panose="05000000000000000000" pitchFamily="2" charset="2"/>
-              </a:rPr>
-              <a:t>GeoJson</a:t>
-            </a:r>
-            <a:endParaRPr lang="de-DE" dirty="0">
-              <a:latin typeface="+mn-lt"/>
-            </a:endParaRPr>
-          </a:p>
-          <a:p>
-            <a:pPr marL="342900" indent="-342900" algn="l">
-              <a:lnSpc>
-                <a:spcPct val="150000"/>
-              </a:lnSpc>
-              <a:buFont typeface="Arial" panose="020B0604020202020204" pitchFamily="34" charset="0"/>
-              <a:buChar char="•"/>
-            </a:pPr>
-            <a:r>
-              <a:rPr lang="de-DE" dirty="0">
-                <a:latin typeface="+mn-lt"/>
-              </a:rPr>
-              <a:t>Vegetationsindex: Satellitendaten (ESA) + </a:t>
-            </a:r>
-            <a:r>
-              <a:rPr lang="de-DE" dirty="0" err="1">
-                <a:latin typeface="+mn-lt"/>
-              </a:rPr>
-              <a:t>shapefiles</a:t>
-            </a:r>
-            <a:r>
-              <a:rPr lang="de-DE" dirty="0">
-                <a:latin typeface="+mn-lt"/>
-              </a:rPr>
-              <a:t> </a:t>
-            </a:r>
-            <a:r>
-              <a:rPr lang="de-DE" dirty="0">
-                <a:latin typeface="+mn-lt"/>
-                <a:sym typeface="Wingdings" panose="05000000000000000000" pitchFamily="2" charset="2"/>
-              </a:rPr>
-              <a:t> </a:t>
-            </a:r>
-            <a:r>
-              <a:rPr lang="de-DE" dirty="0" err="1">
-                <a:latin typeface="+mn-lt"/>
-                <a:sym typeface="Wingdings" panose="05000000000000000000" pitchFamily="2" charset="2"/>
-              </a:rPr>
-              <a:t>csv</a:t>
-            </a:r>
-            <a:r>
-              <a:rPr lang="de-DE" dirty="0">
-                <a:latin typeface="+mn-lt"/>
-                <a:sym typeface="Wingdings" panose="05000000000000000000" pitchFamily="2" charset="2"/>
-              </a:rPr>
-              <a:t>-Datei mit berechnetem NDVI</a:t>
-            </a:r>
-            <a:endParaRPr lang="de-DE" dirty="0">
-              <a:latin typeface="+mn-lt"/>
-            </a:endParaRPr>
-          </a:p>
-          <a:p>
-            <a:pPr algn="l">
-              <a:lnSpc>
-                <a:spcPts val="120"/>
-              </a:lnSpc>
-            </a:pPr>
-            <a:r>
-              <a:rPr lang="de-DE" dirty="0">
-                <a:latin typeface="+mn-lt"/>
-              </a:rPr>
-              <a:t>					</a:t>
-            </a:r>
-          </a:p>
-        </p:txBody>
-      </p:sp>
-      <p:pic>
-        <p:nvPicPr>
-          <p:cNvPr id="5" name="Picture 4" descr="Map&#10;&#10;Description automatically generated">
-            <a:extLst>
-              <a:ext uri="{FF2B5EF4-FFF2-40B4-BE49-F238E27FC236}">
-                <a16:creationId xmlns:a16="http://schemas.microsoft.com/office/drawing/2014/main" id="{4FE09EE1-6429-F532-3B11-9B5B65111F9A}"/>
-              </a:ext>
-            </a:extLst>
-          </p:cNvPr>
-          <p:cNvPicPr>
-            <a:picLocks noChangeAspect="1"/>
-          </p:cNvPicPr>
-          <p:nvPr/>
-        </p:nvPicPr>
-        <p:blipFill>
-          <a:blip r:embed="rId2">
-            <a:extLst>
-              <a:ext uri="{28A0092B-C50C-407E-A947-70E740481C1C}">
-                <a14:useLocalDpi xmlns:a14="http://schemas.microsoft.com/office/drawing/2010/main" val="0"/>
-              </a:ext>
-            </a:extLst>
-          </a:blip>
-          <a:stretch>
-            <a:fillRect/>
-          </a:stretch>
-        </p:blipFill>
-        <p:spPr>
-          <a:xfrm>
-            <a:off x="10377376" y="0"/>
-            <a:ext cx="3062399" cy="2743500"/>
+            <a:off x="890817" y="3779837"/>
+            <a:ext cx="7700733" cy="2192338"/>
           </a:xfrm>
           <a:prstGeom prst="rect">
             <a:avLst/>
           </a:prstGeom>
+          <a:noFill/>
+          <a:ln>
+            <a:noFill/>
+          </a:ln>
         </p:spPr>
-      </p:pic>
+        <p:style>
+          <a:lnRef idx="2">
+            <a:schemeClr val="accent1">
+              <a:shade val="50000"/>
+            </a:schemeClr>
+          </a:lnRef>
+          <a:fillRef idx="1">
+            <a:schemeClr val="accent1"/>
+          </a:fillRef>
+          <a:effectRef idx="0">
+            <a:schemeClr val="accent1"/>
+          </a:effectRef>
+          <a:fontRef idx="minor">
+            <a:schemeClr val="lt1"/>
+          </a:fontRef>
+        </p:style>
+        <p:txBody>
+          <a:bodyPr rtlCol="0" anchor="ctr"/>
+          <a:lstStyle/>
+          <a:p>
+            <a:pPr algn="ctr"/>
+            <a:endParaRPr lang="de-DE"/>
+          </a:p>
+        </p:txBody>
+      </p:sp>
+      <p:sp>
+        <p:nvSpPr>
+          <p:cNvPr id="4" name="Titel 3">
+            <a:extLst>
+              <a:ext uri="{FF2B5EF4-FFF2-40B4-BE49-F238E27FC236}">
+                <a16:creationId xmlns:a16="http://schemas.microsoft.com/office/drawing/2014/main" id="{631C1984-E1C2-4081-A331-384FB621FE99}"/>
+              </a:ext>
+            </a:extLst>
+          </p:cNvPr>
+          <p:cNvSpPr>
+            <a:spLocks noGrp="1"/>
+          </p:cNvSpPr>
+          <p:nvPr>
+            <p:ph type="title"/>
+          </p:nvPr>
+        </p:nvSpPr>
+        <p:spPr>
+          <a:xfrm>
+            <a:off x="890817" y="3986525"/>
+            <a:ext cx="11423100" cy="1440000"/>
+          </a:xfrm>
+        </p:spPr>
+        <p:txBody>
+          <a:bodyPr>
+            <a:normAutofit/>
+          </a:bodyPr>
+          <a:lstStyle/>
+          <a:p>
+            <a:r>
+              <a:rPr lang="de-DE" sz="2200" dirty="0">
+                <a:solidFill>
+                  <a:schemeClr val="tx1"/>
+                </a:solidFill>
+              </a:rPr>
+              <a:t>Richard Prußas, </a:t>
+            </a:r>
+            <a:r>
+              <a:rPr lang="en-US" sz="2200" dirty="0">
+                <a:solidFill>
+                  <a:schemeClr val="tx1"/>
+                </a:solidFill>
+              </a:rPr>
+              <a:t>:</a:t>
+            </a:r>
+            <a:br>
+              <a:rPr lang="en-US" dirty="0">
+                <a:solidFill>
+                  <a:schemeClr val="tx1"/>
+                </a:solidFill>
+              </a:rPr>
+            </a:br>
+            <a:r>
+              <a:rPr lang="en-US" dirty="0" err="1"/>
+              <a:t>Interaktive</a:t>
+            </a:r>
+            <a:r>
+              <a:rPr lang="en-US" dirty="0"/>
+              <a:t> </a:t>
+            </a:r>
+            <a:r>
+              <a:rPr lang="en-US" dirty="0" err="1"/>
+              <a:t>Datenanalyse</a:t>
+            </a:r>
+            <a:r>
+              <a:rPr lang="en-US" dirty="0"/>
+              <a:t> Leipzig</a:t>
+            </a:r>
+            <a:br>
+              <a:rPr lang="en-US">
+                <a:solidFill>
+                  <a:schemeClr val="tx1"/>
+                </a:solidFill>
+              </a:rPr>
+            </a:br>
+            <a:endParaRPr lang="de-DE" sz="1300" dirty="0">
+              <a:solidFill>
+                <a:schemeClr val="tx1"/>
+              </a:solidFill>
+            </a:endParaRPr>
+          </a:p>
+        </p:txBody>
+      </p:sp>
     </p:spTree>
     <p:extLst>
       <p:ext uri="{BB962C8B-B14F-4D97-AF65-F5344CB8AC3E}">
-        <p14:creationId xmlns:p14="http://schemas.microsoft.com/office/powerpoint/2010/main" val="3717923415"/>
+        <p14:creationId xmlns:p14="http://schemas.microsoft.com/office/powerpoint/2010/main" val="1692141195"/>
       </p:ext>
     </p:extLst>
   </p:cSld>
@@ -5103,6 +4960,277 @@
         </p:spPr>
         <p:txBody>
           <a:bodyPr>
+            <a:normAutofit lnSpcReduction="10000"/>
+          </a:bodyPr>
+          <a:lstStyle/>
+          <a:p>
+            <a:pPr algn="l">
+              <a:lnSpc>
+                <a:spcPct val="150000"/>
+              </a:lnSpc>
+            </a:pPr>
+            <a:r>
+              <a:rPr lang="de-DE" u="sng" dirty="0">
+                <a:latin typeface="+mn-lt"/>
+              </a:rPr>
+              <a:t>Fragestellung:</a:t>
+            </a:r>
+            <a:r>
+              <a:rPr lang="de-DE" dirty="0">
+                <a:latin typeface="+mn-lt"/>
+              </a:rPr>
+              <a:t> 	</a:t>
+            </a:r>
+          </a:p>
+          <a:p>
+            <a:pPr marL="342900" indent="-342900" algn="l">
+              <a:lnSpc>
+                <a:spcPct val="150000"/>
+              </a:lnSpc>
+              <a:buFont typeface="Arial" panose="020B0604020202020204" pitchFamily="34" charset="0"/>
+              <a:buChar char="•"/>
+            </a:pPr>
+            <a:r>
+              <a:rPr lang="de-DE" dirty="0">
+                <a:latin typeface="+mn-lt"/>
+              </a:rPr>
+              <a:t>Lässt sich für die Stadt Leipzig ein Zusammenhang zwischen Vegetation und Einkommen feststellen?</a:t>
+            </a:r>
+          </a:p>
+          <a:p>
+            <a:pPr algn="l">
+              <a:lnSpc>
+                <a:spcPct val="150000"/>
+              </a:lnSpc>
+            </a:pPr>
+            <a:r>
+              <a:rPr lang="de-DE" u="sng" dirty="0">
+                <a:latin typeface="+mn-lt"/>
+              </a:rPr>
+              <a:t>Daten/Datenaufbereitung:</a:t>
+            </a:r>
+          </a:p>
+          <a:p>
+            <a:pPr marL="342900" indent="-342900" algn="l">
+              <a:lnSpc>
+                <a:spcPct val="150000"/>
+              </a:lnSpc>
+              <a:buFont typeface="Arial" panose="020B0604020202020204" pitchFamily="34" charset="0"/>
+              <a:buChar char="•"/>
+            </a:pPr>
+            <a:r>
+              <a:rPr lang="de-DE" dirty="0">
+                <a:latin typeface="+mn-lt"/>
+              </a:rPr>
+              <a:t>Einkommensdaten: </a:t>
+            </a:r>
+            <a:r>
+              <a:rPr lang="de-DE" dirty="0" err="1">
+                <a:latin typeface="+mn-lt"/>
+              </a:rPr>
+              <a:t>csv</a:t>
+            </a:r>
+            <a:r>
+              <a:rPr lang="de-DE" dirty="0">
+                <a:latin typeface="+mn-lt"/>
+              </a:rPr>
+              <a:t>-Datei (Open-Data-Portal der Stadt Leipzig) </a:t>
+            </a:r>
+          </a:p>
+          <a:p>
+            <a:pPr marL="342900" indent="-342900" algn="l">
+              <a:lnSpc>
+                <a:spcPct val="150000"/>
+              </a:lnSpc>
+              <a:buFont typeface="Arial" panose="020B0604020202020204" pitchFamily="34" charset="0"/>
+              <a:buChar char="•"/>
+            </a:pPr>
+            <a:r>
+              <a:rPr lang="de-DE" dirty="0">
+                <a:latin typeface="+mn-lt"/>
+              </a:rPr>
+              <a:t>Geodaten: </a:t>
+            </a:r>
+            <a:r>
+              <a:rPr lang="de-DE" dirty="0" err="1">
+                <a:latin typeface="+mn-lt"/>
+              </a:rPr>
+              <a:t>shapefiles</a:t>
+            </a:r>
+            <a:r>
+              <a:rPr lang="de-DE" dirty="0">
+                <a:latin typeface="+mn-lt"/>
+              </a:rPr>
+              <a:t> (Open-Data-Portal der Stadt Leipzig) </a:t>
+            </a:r>
+            <a:r>
+              <a:rPr lang="de-DE" dirty="0">
+                <a:latin typeface="+mn-lt"/>
+                <a:sym typeface="Wingdings" panose="05000000000000000000" pitchFamily="2" charset="2"/>
+              </a:rPr>
+              <a:t> </a:t>
+            </a:r>
+            <a:r>
+              <a:rPr lang="de-DE" dirty="0" err="1">
+                <a:latin typeface="+mn-lt"/>
+                <a:sym typeface="Wingdings" panose="05000000000000000000" pitchFamily="2" charset="2"/>
+              </a:rPr>
+              <a:t>GeoJson</a:t>
+            </a:r>
+            <a:endParaRPr lang="de-DE" dirty="0">
+              <a:latin typeface="+mn-lt"/>
+            </a:endParaRPr>
+          </a:p>
+          <a:p>
+            <a:pPr marL="342900" indent="-342900" algn="l">
+              <a:lnSpc>
+                <a:spcPct val="150000"/>
+              </a:lnSpc>
+              <a:buFont typeface="Arial" panose="020B0604020202020204" pitchFamily="34" charset="0"/>
+              <a:buChar char="•"/>
+            </a:pPr>
+            <a:r>
+              <a:rPr lang="de-DE" dirty="0">
+                <a:latin typeface="+mn-lt"/>
+              </a:rPr>
+              <a:t>Vegetationsindex: Satellitendaten (ESA) + </a:t>
+            </a:r>
+            <a:r>
+              <a:rPr lang="de-DE" dirty="0" err="1">
+                <a:latin typeface="+mn-lt"/>
+              </a:rPr>
+              <a:t>shapefiles</a:t>
+            </a:r>
+            <a:r>
+              <a:rPr lang="de-DE" dirty="0">
+                <a:latin typeface="+mn-lt"/>
+              </a:rPr>
+              <a:t> </a:t>
+            </a:r>
+            <a:r>
+              <a:rPr lang="de-DE" dirty="0">
+                <a:latin typeface="+mn-lt"/>
+                <a:sym typeface="Wingdings" panose="05000000000000000000" pitchFamily="2" charset="2"/>
+              </a:rPr>
+              <a:t> </a:t>
+            </a:r>
+            <a:r>
+              <a:rPr lang="de-DE" dirty="0" err="1">
+                <a:latin typeface="+mn-lt"/>
+                <a:sym typeface="Wingdings" panose="05000000000000000000" pitchFamily="2" charset="2"/>
+              </a:rPr>
+              <a:t>csv</a:t>
+            </a:r>
+            <a:r>
+              <a:rPr lang="de-DE" dirty="0">
+                <a:latin typeface="+mn-lt"/>
+                <a:sym typeface="Wingdings" panose="05000000000000000000" pitchFamily="2" charset="2"/>
+              </a:rPr>
+              <a:t>-Datei mit berechnetem NDVI</a:t>
+            </a:r>
+            <a:endParaRPr lang="de-DE" dirty="0">
+              <a:latin typeface="+mn-lt"/>
+            </a:endParaRPr>
+          </a:p>
+          <a:p>
+            <a:pPr algn="l">
+              <a:lnSpc>
+                <a:spcPts val="120"/>
+              </a:lnSpc>
+            </a:pPr>
+            <a:r>
+              <a:rPr lang="de-DE" dirty="0">
+                <a:latin typeface="+mn-lt"/>
+              </a:rPr>
+              <a:t>					</a:t>
+            </a:r>
+          </a:p>
+        </p:txBody>
+      </p:sp>
+    </p:spTree>
+    <p:extLst>
+      <p:ext uri="{BB962C8B-B14F-4D97-AF65-F5344CB8AC3E}">
+        <p14:creationId xmlns:p14="http://schemas.microsoft.com/office/powerpoint/2010/main" val="3717923415"/>
+      </p:ext>
+    </p:extLst>
+  </p:cSld>
+  <p:clrMapOvr>
+    <a:masterClrMapping/>
+  </p:clrMapOvr>
+</p:sld>
+</file>
+
+<file path=ppt/slides/slide3.xml><?xml version="1.0" encoding="utf-8"?>
+<p:sld xmlns:a="http://schemas.openxmlformats.org/drawingml/2006/main" xmlns:r="http://schemas.openxmlformats.org/officeDocument/2006/relationships" xmlns:p="http://schemas.openxmlformats.org/presentationml/2006/main">
+  <p:cSld>
+    <p:spTree>
+      <p:nvGrpSpPr>
+        <p:cNvPr id="1" name=""/>
+        <p:cNvGrpSpPr/>
+        <p:nvPr/>
+      </p:nvGrpSpPr>
+      <p:grpSpPr>
+        <a:xfrm>
+          <a:off x="0" y="0"/>
+          <a:ext cx="0" cy="0"/>
+          <a:chOff x="0" y="0"/>
+          <a:chExt cx="0" cy="0"/>
+        </a:xfrm>
+      </p:grpSpPr>
+      <p:sp>
+        <p:nvSpPr>
+          <p:cNvPr id="2" name="Titel 1">
+            <a:extLst>
+              <a:ext uri="{FF2B5EF4-FFF2-40B4-BE49-F238E27FC236}">
+                <a16:creationId xmlns:a16="http://schemas.microsoft.com/office/drawing/2014/main" id="{2721229F-F71F-4F54-9B3C-65369978C7AB}"/>
+              </a:ext>
+            </a:extLst>
+          </p:cNvPr>
+          <p:cNvSpPr>
+            <a:spLocks noGrp="1"/>
+          </p:cNvSpPr>
+          <p:nvPr>
+            <p:ph type="title"/>
+          </p:nvPr>
+        </p:nvSpPr>
+        <p:spPr/>
+        <p:txBody>
+          <a:bodyPr>
+            <a:normAutofit/>
+          </a:bodyPr>
+          <a:lstStyle/>
+          <a:p>
+            <a:r>
+              <a:rPr lang="de-DE" sz="2800" u="sng" dirty="0"/>
+              <a:t>Interaktive Karte Leipzigs</a:t>
+            </a:r>
+          </a:p>
+        </p:txBody>
+      </p:sp>
+      <p:sp>
+        <p:nvSpPr>
+          <p:cNvPr id="3" name="Inhaltsplatzhalter 2">
+            <a:extLst>
+              <a:ext uri="{FF2B5EF4-FFF2-40B4-BE49-F238E27FC236}">
+                <a16:creationId xmlns:a16="http://schemas.microsoft.com/office/drawing/2014/main" id="{BF443B84-3FB3-479F-A968-ECE71FD4DD3B}"/>
+              </a:ext>
+            </a:extLst>
+          </p:cNvPr>
+          <p:cNvSpPr>
+            <a:spLocks noGrp="1"/>
+          </p:cNvSpPr>
+          <p:nvPr>
+            <p:ph idx="1"/>
+          </p:nvPr>
+        </p:nvSpPr>
+        <p:spPr>
+          <a:xfrm>
+            <a:off x="1055917" y="1998921"/>
+            <a:ext cx="11558870" cy="5263115"/>
+          </a:xfrm>
+        </p:spPr>
+        <p:txBody>
+          <a:bodyPr>
             <a:normAutofit/>
           </a:bodyPr>
           <a:lstStyle/>
@@ -5190,7 +5318,7 @@
 </p:sld>
 </file>
 
-<file path=ppt/slides/slide3.xml><?xml version="1.0" encoding="utf-8"?>
+<file path=ppt/slides/slide4.xml><?xml version="1.0" encoding="utf-8"?>
 <p:sld xmlns:a="http://schemas.openxmlformats.org/drawingml/2006/main" xmlns:r="http://schemas.openxmlformats.org/officeDocument/2006/relationships" xmlns:p="http://schemas.openxmlformats.org/presentationml/2006/main">
   <p:cSld>
     <p:spTree>
